--- a/osi-and-tcp.pptx
+++ b/osi-and-tcp.pptx
@@ -289,7 +289,7 @@
             <a:fld id="{CC45C0B1-7FAB-4DA1-A6F7-365A86C160BE}" type="datetimeFigureOut">
               <a:rPr lang="ko-KR" altLang="en-US" smtClean="0"/>
               <a:pPr/>
-              <a:t>2020-07-13</a:t>
+              <a:t>2020-07-21</a:t>
             </a:fld>
             <a:endParaRPr lang="ko-KR" altLang="en-US"/>
           </a:p>
@@ -456,7 +456,7 @@
             <a:fld id="{CC45C0B1-7FAB-4DA1-A6F7-365A86C160BE}" type="datetimeFigureOut">
               <a:rPr lang="ko-KR" altLang="en-US" smtClean="0"/>
               <a:pPr/>
-              <a:t>2020-07-13</a:t>
+              <a:t>2020-07-21</a:t>
             </a:fld>
             <a:endParaRPr lang="ko-KR" altLang="en-US"/>
           </a:p>
@@ -633,7 +633,7 @@
             <a:fld id="{CC45C0B1-7FAB-4DA1-A6F7-365A86C160BE}" type="datetimeFigureOut">
               <a:rPr lang="ko-KR" altLang="en-US" smtClean="0"/>
               <a:pPr/>
-              <a:t>2020-07-13</a:t>
+              <a:t>2020-07-21</a:t>
             </a:fld>
             <a:endParaRPr lang="ko-KR" altLang="en-US"/>
           </a:p>
@@ -800,7 +800,7 @@
             <a:fld id="{CC45C0B1-7FAB-4DA1-A6F7-365A86C160BE}" type="datetimeFigureOut">
               <a:rPr lang="ko-KR" altLang="en-US" smtClean="0"/>
               <a:pPr/>
-              <a:t>2020-07-13</a:t>
+              <a:t>2020-07-21</a:t>
             </a:fld>
             <a:endParaRPr lang="ko-KR" altLang="en-US"/>
           </a:p>
@@ -1043,7 +1043,7 @@
             <a:fld id="{CC45C0B1-7FAB-4DA1-A6F7-365A86C160BE}" type="datetimeFigureOut">
               <a:rPr lang="ko-KR" altLang="en-US" smtClean="0"/>
               <a:pPr/>
-              <a:t>2020-07-13</a:t>
+              <a:t>2020-07-21</a:t>
             </a:fld>
             <a:endParaRPr lang="ko-KR" altLang="en-US"/>
           </a:p>
@@ -1328,7 +1328,7 @@
             <a:fld id="{CC45C0B1-7FAB-4DA1-A6F7-365A86C160BE}" type="datetimeFigureOut">
               <a:rPr lang="ko-KR" altLang="en-US" smtClean="0"/>
               <a:pPr/>
-              <a:t>2020-07-13</a:t>
+              <a:t>2020-07-21</a:t>
             </a:fld>
             <a:endParaRPr lang="ko-KR" altLang="en-US"/>
           </a:p>
@@ -1747,7 +1747,7 @@
             <a:fld id="{CC45C0B1-7FAB-4DA1-A6F7-365A86C160BE}" type="datetimeFigureOut">
               <a:rPr lang="ko-KR" altLang="en-US" smtClean="0"/>
               <a:pPr/>
-              <a:t>2020-07-13</a:t>
+              <a:t>2020-07-21</a:t>
             </a:fld>
             <a:endParaRPr lang="ko-KR" altLang="en-US"/>
           </a:p>
@@ -1862,7 +1862,7 @@
             <a:fld id="{CC45C0B1-7FAB-4DA1-A6F7-365A86C160BE}" type="datetimeFigureOut">
               <a:rPr lang="ko-KR" altLang="en-US" smtClean="0"/>
               <a:pPr/>
-              <a:t>2020-07-13</a:t>
+              <a:t>2020-07-21</a:t>
             </a:fld>
             <a:endParaRPr lang="ko-KR" altLang="en-US"/>
           </a:p>
@@ -1954,7 +1954,7 @@
             <a:fld id="{CC45C0B1-7FAB-4DA1-A6F7-365A86C160BE}" type="datetimeFigureOut">
               <a:rPr lang="ko-KR" altLang="en-US" smtClean="0"/>
               <a:pPr/>
-              <a:t>2020-07-13</a:t>
+              <a:t>2020-07-21</a:t>
             </a:fld>
             <a:endParaRPr lang="ko-KR" altLang="en-US"/>
           </a:p>
@@ -2228,7 +2228,7 @@
             <a:fld id="{CC45C0B1-7FAB-4DA1-A6F7-365A86C160BE}" type="datetimeFigureOut">
               <a:rPr lang="ko-KR" altLang="en-US" smtClean="0"/>
               <a:pPr/>
-              <a:t>2020-07-13</a:t>
+              <a:t>2020-07-21</a:t>
             </a:fld>
             <a:endParaRPr lang="ko-KR" altLang="en-US"/>
           </a:p>
@@ -2478,7 +2478,7 @@
             <a:fld id="{CC45C0B1-7FAB-4DA1-A6F7-365A86C160BE}" type="datetimeFigureOut">
               <a:rPr lang="ko-KR" altLang="en-US" smtClean="0"/>
               <a:pPr/>
-              <a:t>2020-07-13</a:t>
+              <a:t>2020-07-21</a:t>
             </a:fld>
             <a:endParaRPr lang="ko-KR" altLang="en-US"/>
           </a:p>
@@ -2688,7 +2688,7 @@
             <a:fld id="{CC45C0B1-7FAB-4DA1-A6F7-365A86C160BE}" type="datetimeFigureOut">
               <a:rPr lang="ko-KR" altLang="en-US" smtClean="0"/>
               <a:pPr/>
-              <a:t>2020-07-13</a:t>
+              <a:t>2020-07-21</a:t>
             </a:fld>
             <a:endParaRPr lang="ko-KR" altLang="en-US"/>
           </a:p>
@@ -3653,10 +3653,10 @@
                     <a:p>
                       <a:pPr algn="ctr" latinLnBrk="1"/>
                       <a:r>
-                        <a:rPr lang="en-US" altLang="ko-KR" sz="2500" smtClean="0"/>
+                        <a:rPr lang="en-US" altLang="ko-KR" sz="2500" dirty="0" smtClean="0"/>
                         <a:t>L2(Switch)</a:t>
                       </a:r>
-                      <a:endParaRPr lang="ko-KR" altLang="en-US" sz="2500"/>
+                      <a:endParaRPr lang="ko-KR" altLang="en-US" sz="2500" dirty="0"/>
                     </a:p>
                   </a:txBody>
                   <a:tcPr/>
@@ -3752,6 +3752,10 @@
                     <a:lstStyle/>
                     <a:p>
                       <a:pPr algn="ctr" latinLnBrk="1"/>
+                      <a:r>
+                        <a:rPr lang="en-US" altLang="ko-KR" sz="2500" smtClean="0"/>
+                        <a:t>L1</a:t>
+                      </a:r>
                       <a:endParaRPr lang="ko-KR" altLang="en-US" sz="2500"/>
                     </a:p>
                   </a:txBody>
